--- a/All supporting documentation/Family Expense Tracker.pptx
+++ b/All supporting documentation/Family Expense Tracker.pptx
@@ -7982,8 +7982,8 @@
         </p:blipFill>
         <p:spPr>
           <a:xfrm>
-            <a:off x="5457103" y="2052484"/>
-            <a:ext cx="4789986" cy="2998839"/>
+            <a:off x="6346724" y="2033583"/>
+            <a:ext cx="5505865" cy="3447025"/>
           </a:xfrm>
           <a:prstGeom prst="rect">
             <a:avLst/>
@@ -8018,8 +8018,8 @@
         </p:blipFill>
         <p:spPr>
           <a:xfrm>
-            <a:off x="712838" y="2052485"/>
-            <a:ext cx="4437152" cy="2998838"/>
+            <a:off x="712838" y="2052484"/>
+            <a:ext cx="5072332" cy="3428123"/>
           </a:xfrm>
           <a:prstGeom prst="rect">
             <a:avLst/>
@@ -8361,8 +8361,8 @@
         </p:blipFill>
         <p:spPr>
           <a:xfrm>
-            <a:off x="-157316" y="552733"/>
-            <a:ext cx="4542806" cy="2835523"/>
+            <a:off x="-157316" y="432859"/>
+            <a:ext cx="4827639" cy="3013310"/>
           </a:xfrm>
           <a:prstGeom prst="rect">
             <a:avLst/>
@@ -8397,8 +8397,8 @@
         </p:blipFill>
         <p:spPr>
           <a:xfrm>
-            <a:off x="285136" y="3794972"/>
-            <a:ext cx="4100354" cy="2829863"/>
+            <a:off x="186813" y="3871483"/>
+            <a:ext cx="4327339" cy="2986517"/>
           </a:xfrm>
           <a:prstGeom prst="rect">
             <a:avLst/>
@@ -8464,7 +8464,7 @@
         </p:nvSpPr>
         <p:spPr>
           <a:xfrm>
-            <a:off x="1209369" y="156654"/>
+            <a:off x="1071718" y="63527"/>
             <a:ext cx="2989006" cy="369332"/>
           </a:xfrm>
           <a:prstGeom prst="rect">
@@ -8499,7 +8499,7 @@
         </p:nvSpPr>
         <p:spPr>
           <a:xfrm>
-            <a:off x="993059" y="3382277"/>
+            <a:off x="993058" y="3446169"/>
             <a:ext cx="2526890" cy="369332"/>
           </a:xfrm>
           <a:prstGeom prst="rect">
@@ -8653,7 +8653,7 @@
         <p:spPr>
           <a:xfrm>
             <a:off x="314632" y="1051223"/>
-            <a:ext cx="7168559" cy="5070185"/>
+            <a:ext cx="7452852" cy="5271260"/>
           </a:xfrm>
           <a:prstGeom prst="rect">
             <a:avLst/>
@@ -8903,8 +8903,8 @@
         </p:blipFill>
         <p:spPr>
           <a:xfrm>
-            <a:off x="186814" y="1133167"/>
-            <a:ext cx="7477732" cy="5080819"/>
+            <a:off x="186813" y="1133167"/>
+            <a:ext cx="7711059" cy="5239355"/>
           </a:xfrm>
           <a:prstGeom prst="rect">
             <a:avLst/>
@@ -8973,7 +8973,7 @@
         <p:spPr>
           <a:xfrm>
             <a:off x="424637" y="1113814"/>
-            <a:ext cx="6946823" cy="4972354"/>
+            <a:ext cx="7392008" cy="5291006"/>
           </a:xfrm>
           <a:prstGeom prst="rect">
             <a:avLst/>
